--- a/document/ユースケース.pptx
+++ b/document/ユースケース.pptx
@@ -104,6 +104,11 @@
       </a:defRPr>
     </a:lvl9pPr>
   </p:defaultTextStyle>
+  <p:extLst>
+    <p:ext uri="{EFAFB233-063F-42B5-8137-9DF3F51BA10A}">
+      <p15:sldGuideLst xmlns:p15="http://schemas.microsoft.com/office/powerpoint/2012/main"/>
+    </p:ext>
+  </p:extLst>
 </p:presentation>
 </file>
 
@@ -3260,8 +3265,8 @@
         </p:nvSpPr>
         <p:spPr>
           <a:xfrm>
-            <a:off x="1600200" y="621792"/>
-            <a:ext cx="8851392" cy="5888736"/>
+            <a:off x="1585618" y="639716"/>
+            <a:ext cx="8632885" cy="5908599"/>
           </a:xfrm>
           <a:prstGeom prst="roundRect">
             <a:avLst/>
@@ -3272,54 +3277,6 @@
               <a:lumOff val="60000"/>
             </a:schemeClr>
           </a:solidFill>
-        </p:spPr>
-        <p:style>
-          <a:lnRef idx="2">
-            <a:schemeClr val="accent1">
-              <a:shade val="50000"/>
-            </a:schemeClr>
-          </a:lnRef>
-          <a:fillRef idx="1">
-            <a:schemeClr val="accent1"/>
-          </a:fillRef>
-          <a:effectRef idx="0">
-            <a:schemeClr val="accent1"/>
-          </a:effectRef>
-          <a:fontRef idx="minor">
-            <a:schemeClr val="lt1"/>
-          </a:fontRef>
-        </p:style>
-        <p:txBody>
-          <a:bodyPr rtlCol="0" anchor="ctr"/>
-          <a:lstStyle/>
-          <a:p>
-            <a:pPr algn="ctr"/>
-            <a:endParaRPr kumimoji="1" lang="ja-JP" altLang="en-US"/>
-          </a:p>
-        </p:txBody>
-      </p:sp>
-      <p:sp>
-        <p:nvSpPr>
-          <p:cNvPr id="14" name="角丸四角形 13"/>
-          <p:cNvSpPr/>
-          <p:nvPr/>
-        </p:nvSpPr>
-        <p:spPr>
-          <a:xfrm>
-            <a:off x="2020824" y="832104"/>
-            <a:ext cx="1847088" cy="512064"/>
-          </a:xfrm>
-          <a:prstGeom prst="roundRect">
-            <a:avLst/>
-          </a:prstGeom>
-          <a:solidFill>
-            <a:schemeClr val="bg1"/>
-          </a:solidFill>
-          <a:ln>
-            <a:solidFill>
-              <a:schemeClr val="bg1"/>
-            </a:solidFill>
-          </a:ln>
         </p:spPr>
         <p:style>
           <a:lnRef idx="2">
@@ -3470,7 +3427,7 @@
         </p:blipFill>
         <p:spPr>
           <a:xfrm>
-            <a:off x="10884611" y="1069762"/>
+            <a:off x="10994321" y="2612971"/>
             <a:ext cx="414564" cy="987638"/>
           </a:xfrm>
           <a:prstGeom prst="rect">
@@ -3540,7 +3497,7 @@
         </p:nvSpPr>
         <p:spPr>
           <a:xfrm>
-            <a:off x="10753937" y="2112264"/>
+            <a:off x="10863647" y="3594016"/>
             <a:ext cx="675912" cy="369332"/>
           </a:xfrm>
           <a:prstGeom prst="rect">
@@ -3594,94 +3551,14 @@
       </p:sp>
       <p:sp>
         <p:nvSpPr>
-          <p:cNvPr id="13" name="テキスト ボックス 12"/>
-          <p:cNvSpPr txBox="1"/>
-          <p:nvPr/>
-        </p:nvSpPr>
-        <p:spPr>
-          <a:xfrm>
-            <a:off x="2075688" y="886968"/>
-            <a:ext cx="1920240" cy="384048"/>
-          </a:xfrm>
-          <a:prstGeom prst="rect">
-            <a:avLst/>
-          </a:prstGeom>
-          <a:noFill/>
-        </p:spPr>
-        <p:txBody>
-          <a:bodyPr wrap="square" rtlCol="0">
-            <a:spAutoFit/>
-          </a:bodyPr>
-          <a:lstStyle/>
-          <a:p>
-            <a:r>
-              <a:rPr kumimoji="1" lang="ja-JP" altLang="en-US" dirty="0" smtClean="0"/>
-              <a:t>新規登録を行う</a:t>
-            </a:r>
-            <a:endParaRPr kumimoji="1" lang="ja-JP" altLang="en-US" dirty="0"/>
-          </a:p>
-        </p:txBody>
-      </p:sp>
-      <p:sp>
-        <p:nvSpPr>
-          <p:cNvPr id="15" name="楕円 14"/>
+          <p:cNvPr id="18" name="角丸四角形 17"/>
           <p:cNvSpPr/>
           <p:nvPr/>
         </p:nvSpPr>
         <p:spPr>
           <a:xfrm>
-            <a:off x="5223151" y="2355588"/>
-            <a:ext cx="1600368" cy="1516332"/>
-          </a:xfrm>
-          <a:prstGeom prst="ellipse">
-            <a:avLst/>
-          </a:prstGeom>
-          <a:solidFill>
-            <a:schemeClr val="bg1"/>
-          </a:solidFill>
-          <a:ln w="28575">
-            <a:solidFill>
-              <a:schemeClr val="accent2">
-                <a:lumMod val="75000"/>
-              </a:schemeClr>
-            </a:solidFill>
-          </a:ln>
-        </p:spPr>
-        <p:style>
-          <a:lnRef idx="2">
-            <a:schemeClr val="accent1">
-              <a:shade val="50000"/>
-            </a:schemeClr>
-          </a:lnRef>
-          <a:fillRef idx="1">
-            <a:schemeClr val="accent1"/>
-          </a:fillRef>
-          <a:effectRef idx="0">
-            <a:schemeClr val="accent1"/>
-          </a:effectRef>
-          <a:fontRef idx="minor">
-            <a:schemeClr val="lt1"/>
-          </a:fontRef>
-        </p:style>
-        <p:txBody>
-          <a:bodyPr rtlCol="0" anchor="ctr"/>
-          <a:lstStyle/>
-          <a:p>
-            <a:pPr algn="ctr"/>
-            <a:endParaRPr kumimoji="1" lang="ja-JP" altLang="en-US"/>
-          </a:p>
-        </p:txBody>
-      </p:sp>
-      <p:sp>
-        <p:nvSpPr>
-          <p:cNvPr id="17" name="角丸四角形 16"/>
-          <p:cNvSpPr/>
-          <p:nvPr/>
-        </p:nvSpPr>
-        <p:spPr>
-          <a:xfrm>
-            <a:off x="2294958" y="1446768"/>
-            <a:ext cx="1847088" cy="512064"/>
+            <a:off x="2818853" y="1567600"/>
+            <a:ext cx="2276856" cy="512064"/>
           </a:xfrm>
           <a:prstGeom prst="roundRect">
             <a:avLst/>
@@ -3722,14 +3599,14 @@
       </p:sp>
       <p:sp>
         <p:nvSpPr>
-          <p:cNvPr id="18" name="角丸四角形 17"/>
+          <p:cNvPr id="19" name="角丸四角形 18"/>
           <p:cNvSpPr/>
           <p:nvPr/>
         </p:nvSpPr>
         <p:spPr>
           <a:xfrm>
-            <a:off x="2002536" y="2046684"/>
-            <a:ext cx="2276856" cy="512064"/>
+            <a:off x="4596651" y="2870848"/>
+            <a:ext cx="2146740" cy="512064"/>
           </a:xfrm>
           <a:prstGeom prst="roundRect">
             <a:avLst/>
@@ -3770,14 +3647,14 @@
       </p:sp>
       <p:sp>
         <p:nvSpPr>
-          <p:cNvPr id="19" name="角丸四角形 18"/>
+          <p:cNvPr id="20" name="角丸四角形 19"/>
           <p:cNvSpPr/>
           <p:nvPr/>
         </p:nvSpPr>
         <p:spPr>
           <a:xfrm>
-            <a:off x="2278956" y="2716392"/>
-            <a:ext cx="2146740" cy="512064"/>
+            <a:off x="1718067" y="2870848"/>
+            <a:ext cx="2343150" cy="512064"/>
           </a:xfrm>
           <a:prstGeom prst="roundRect">
             <a:avLst/>
@@ -3818,14 +3695,14 @@
       </p:sp>
       <p:sp>
         <p:nvSpPr>
-          <p:cNvPr id="20" name="角丸四角形 19"/>
+          <p:cNvPr id="22" name="角丸四角形 21"/>
           <p:cNvSpPr/>
           <p:nvPr/>
         </p:nvSpPr>
         <p:spPr>
           <a:xfrm>
-            <a:off x="2018538" y="3342704"/>
-            <a:ext cx="2343150" cy="512064"/>
+            <a:off x="2116077" y="4115775"/>
+            <a:ext cx="2196846" cy="512064"/>
           </a:xfrm>
           <a:prstGeom prst="roundRect">
             <a:avLst/>
@@ -3866,14 +3743,14 @@
       </p:sp>
       <p:sp>
         <p:nvSpPr>
-          <p:cNvPr id="21" name="角丸四角形 20"/>
+          <p:cNvPr id="23" name="角丸四角形 22"/>
           <p:cNvSpPr/>
           <p:nvPr/>
         </p:nvSpPr>
         <p:spPr>
           <a:xfrm>
-            <a:off x="2294958" y="4011840"/>
-            <a:ext cx="2219910" cy="512064"/>
+            <a:off x="3910315" y="4719422"/>
+            <a:ext cx="2862757" cy="512064"/>
           </a:xfrm>
           <a:prstGeom prst="roundRect">
             <a:avLst/>
@@ -3914,14 +3791,14 @@
       </p:sp>
       <p:sp>
         <p:nvSpPr>
-          <p:cNvPr id="22" name="角丸四角形 21"/>
+          <p:cNvPr id="24" name="角丸四角形 23"/>
           <p:cNvSpPr/>
           <p:nvPr/>
         </p:nvSpPr>
         <p:spPr>
           <a:xfrm>
-            <a:off x="2018538" y="4590288"/>
-            <a:ext cx="2196846" cy="512064"/>
+            <a:off x="2018538" y="5790580"/>
+            <a:ext cx="2496330" cy="512064"/>
           </a:xfrm>
           <a:prstGeom prst="roundRect">
             <a:avLst/>
@@ -3962,14 +3839,14 @@
       </p:sp>
       <p:sp>
         <p:nvSpPr>
-          <p:cNvPr id="23" name="角丸四角形 22"/>
+          <p:cNvPr id="25" name="角丸四角形 24"/>
           <p:cNvSpPr/>
           <p:nvPr/>
         </p:nvSpPr>
         <p:spPr>
           <a:xfrm>
-            <a:off x="2278956" y="5212132"/>
-            <a:ext cx="2448492" cy="512064"/>
+            <a:off x="7850475" y="3112319"/>
+            <a:ext cx="1847088" cy="646331"/>
           </a:xfrm>
           <a:prstGeom prst="roundRect">
             <a:avLst/>
@@ -4010,14 +3887,256 @@
       </p:sp>
       <p:sp>
         <p:nvSpPr>
-          <p:cNvPr id="24" name="角丸四角形 23"/>
+          <p:cNvPr id="27" name="テキスト ボックス 26"/>
+          <p:cNvSpPr txBox="1"/>
+          <p:nvPr/>
+        </p:nvSpPr>
+        <p:spPr>
+          <a:xfrm>
+            <a:off x="2785706" y="1637946"/>
+            <a:ext cx="2343150" cy="369332"/>
+          </a:xfrm>
+          <a:prstGeom prst="rect">
+            <a:avLst/>
+          </a:prstGeom>
+          <a:noFill/>
+        </p:spPr>
+        <p:txBody>
+          <a:bodyPr wrap="square" rtlCol="0">
+            <a:spAutoFit/>
+          </a:bodyPr>
+          <a:lstStyle/>
+          <a:p>
+            <a:r>
+              <a:rPr kumimoji="1" lang="ja-JP" altLang="en-US" dirty="0" smtClean="0"/>
+              <a:t>保有食品を閲覧する</a:t>
+            </a:r>
+            <a:endParaRPr kumimoji="1" lang="ja-JP" altLang="en-US" dirty="0"/>
+          </a:p>
+        </p:txBody>
+      </p:sp>
+      <p:sp>
+        <p:nvSpPr>
+          <p:cNvPr id="28" name="テキスト ボックス 27"/>
+          <p:cNvSpPr txBox="1"/>
+          <p:nvPr/>
+        </p:nvSpPr>
+        <p:spPr>
+          <a:xfrm>
+            <a:off x="4572295" y="2941500"/>
+            <a:ext cx="2343150" cy="369332"/>
+          </a:xfrm>
+          <a:prstGeom prst="rect">
+            <a:avLst/>
+          </a:prstGeom>
+          <a:noFill/>
+        </p:spPr>
+        <p:txBody>
+          <a:bodyPr wrap="square" rtlCol="0">
+            <a:spAutoFit/>
+          </a:bodyPr>
+          <a:lstStyle/>
+          <a:p>
+            <a:r>
+              <a:rPr kumimoji="1" lang="ja-JP" altLang="en-US" dirty="0" smtClean="0"/>
+              <a:t>保有食品を削除する</a:t>
+            </a:r>
+            <a:endParaRPr kumimoji="1" lang="ja-JP" altLang="en-US" dirty="0"/>
+          </a:p>
+        </p:txBody>
+      </p:sp>
+      <p:sp>
+        <p:nvSpPr>
+          <p:cNvPr id="29" name="テキスト ボックス 28"/>
+          <p:cNvSpPr txBox="1"/>
+          <p:nvPr/>
+        </p:nvSpPr>
+        <p:spPr>
+          <a:xfrm>
+            <a:off x="1585618" y="2975188"/>
+            <a:ext cx="2512332" cy="369332"/>
+          </a:xfrm>
+          <a:prstGeom prst="rect">
+            <a:avLst/>
+          </a:prstGeom>
+          <a:noFill/>
+        </p:spPr>
+        <p:txBody>
+          <a:bodyPr wrap="square" rtlCol="0">
+            <a:spAutoFit/>
+          </a:bodyPr>
+          <a:lstStyle/>
+          <a:p>
+            <a:pPr algn="ctr"/>
+            <a:r>
+              <a:rPr kumimoji="1" lang="ja-JP" altLang="en-US" dirty="0" smtClean="0"/>
+              <a:t>ソート</a:t>
+            </a:r>
+            <a:r>
+              <a:rPr kumimoji="1" lang="ja-JP" altLang="en-US" dirty="0" smtClean="0"/>
+              <a:t>する</a:t>
+            </a:r>
+            <a:endParaRPr kumimoji="1" lang="ja-JP" altLang="en-US" dirty="0"/>
+          </a:p>
+        </p:txBody>
+      </p:sp>
+      <p:sp>
+        <p:nvSpPr>
+          <p:cNvPr id="31" name="テキスト ボックス 30"/>
+          <p:cNvSpPr txBox="1"/>
+          <p:nvPr/>
+        </p:nvSpPr>
+        <p:spPr>
+          <a:xfrm>
+            <a:off x="2112935" y="4186366"/>
+            <a:ext cx="2343150" cy="369332"/>
+          </a:xfrm>
+          <a:prstGeom prst="rect">
+            <a:avLst/>
+          </a:prstGeom>
+          <a:noFill/>
+        </p:spPr>
+        <p:txBody>
+          <a:bodyPr wrap="square" rtlCol="0">
+            <a:spAutoFit/>
+          </a:bodyPr>
+          <a:lstStyle/>
+          <a:p>
+            <a:r>
+              <a:rPr kumimoji="1" lang="ja-JP" altLang="en-US" dirty="0" smtClean="0"/>
+              <a:t>購入履歴を閲覧する</a:t>
+            </a:r>
+            <a:endParaRPr kumimoji="1" lang="ja-JP" altLang="en-US" dirty="0"/>
+          </a:p>
+        </p:txBody>
+      </p:sp>
+      <p:sp>
+        <p:nvSpPr>
+          <p:cNvPr id="32" name="テキスト ボックス 31"/>
+          <p:cNvSpPr txBox="1"/>
+          <p:nvPr/>
+        </p:nvSpPr>
+        <p:spPr>
+          <a:xfrm>
+            <a:off x="3849028" y="4812325"/>
+            <a:ext cx="2985330" cy="369332"/>
+          </a:xfrm>
+          <a:prstGeom prst="rect">
+            <a:avLst/>
+          </a:prstGeom>
+          <a:noFill/>
+        </p:spPr>
+        <p:txBody>
+          <a:bodyPr wrap="square" rtlCol="0">
+            <a:spAutoFit/>
+          </a:bodyPr>
+          <a:lstStyle/>
+          <a:p>
+            <a:r>
+              <a:rPr kumimoji="1" lang="ja-JP" altLang="en-US" dirty="0" smtClean="0"/>
+              <a:t>特売・特価</a:t>
+            </a:r>
+            <a:r>
+              <a:rPr kumimoji="1" lang="ja-JP" altLang="en-US" dirty="0" smtClean="0"/>
+              <a:t>情報</a:t>
+            </a:r>
+            <a:r>
+              <a:rPr lang="ja-JP" altLang="en-US" dirty="0"/>
+              <a:t>を</a:t>
+            </a:r>
+            <a:r>
+              <a:rPr kumimoji="1" lang="ja-JP" altLang="en-US" dirty="0" smtClean="0"/>
+              <a:t>通知する</a:t>
+            </a:r>
+            <a:endParaRPr kumimoji="1" lang="ja-JP" altLang="en-US" dirty="0"/>
+          </a:p>
+        </p:txBody>
+      </p:sp>
+      <p:sp>
+        <p:nvSpPr>
+          <p:cNvPr id="33" name="テキスト ボックス 32"/>
+          <p:cNvSpPr txBox="1"/>
+          <p:nvPr/>
+        </p:nvSpPr>
+        <p:spPr>
+          <a:xfrm>
+            <a:off x="2018538" y="5894154"/>
+            <a:ext cx="2955798" cy="369332"/>
+          </a:xfrm>
+          <a:prstGeom prst="rect">
+            <a:avLst/>
+          </a:prstGeom>
+          <a:noFill/>
+        </p:spPr>
+        <p:txBody>
+          <a:bodyPr wrap="square" rtlCol="0">
+            <a:spAutoFit/>
+          </a:bodyPr>
+          <a:lstStyle/>
+          <a:p>
+            <a:r>
+              <a:rPr lang="ja-JP" altLang="en-US" dirty="0" smtClean="0"/>
+              <a:t>店舗を</a:t>
+            </a:r>
+            <a:r>
+              <a:rPr kumimoji="1" lang="ja-JP" altLang="en-US" dirty="0" smtClean="0"/>
+              <a:t>登録する</a:t>
+            </a:r>
+            <a:endParaRPr kumimoji="1" lang="ja-JP" altLang="en-US" dirty="0"/>
+          </a:p>
+        </p:txBody>
+      </p:sp>
+      <p:sp>
+        <p:nvSpPr>
+          <p:cNvPr id="35" name="テキスト ボックス 34"/>
+          <p:cNvSpPr txBox="1"/>
+          <p:nvPr/>
+        </p:nvSpPr>
+        <p:spPr>
+          <a:xfrm>
+            <a:off x="7882098" y="3157625"/>
+            <a:ext cx="1814202" cy="646331"/>
+          </a:xfrm>
+          <a:prstGeom prst="rect">
+            <a:avLst/>
+          </a:prstGeom>
+          <a:noFill/>
+        </p:spPr>
+        <p:txBody>
+          <a:bodyPr wrap="square" rtlCol="0">
+            <a:spAutoFit/>
+          </a:bodyPr>
+          <a:lstStyle/>
+          <a:p>
+            <a:r>
+              <a:rPr lang="ja-JP" altLang="en-US" dirty="0" smtClean="0"/>
+              <a:t>特価商品を</a:t>
+            </a:r>
+            <a:endParaRPr lang="en-US" altLang="ja-JP" dirty="0" smtClean="0"/>
+          </a:p>
+          <a:p>
+            <a:r>
+              <a:rPr kumimoji="1" lang="ja-JP" altLang="en-US" dirty="0"/>
+              <a:t>　</a:t>
+            </a:r>
+            <a:r>
+              <a:rPr kumimoji="1" lang="ja-JP" altLang="en-US" dirty="0" smtClean="0"/>
+              <a:t>　　決定する</a:t>
+            </a:r>
+            <a:endParaRPr kumimoji="1" lang="ja-JP" altLang="en-US" dirty="0"/>
+          </a:p>
+        </p:txBody>
+      </p:sp>
+      <p:sp>
+        <p:nvSpPr>
+          <p:cNvPr id="37" name="角丸四角形 36"/>
           <p:cNvSpPr/>
           <p:nvPr/>
         </p:nvSpPr>
         <p:spPr>
           <a:xfrm>
-            <a:off x="2018538" y="5790580"/>
-            <a:ext cx="2496330" cy="512064"/>
+            <a:off x="7871495" y="4337531"/>
+            <a:ext cx="1847088" cy="646331"/>
           </a:xfrm>
           <a:prstGeom prst="roundRect">
             <a:avLst/>
@@ -4058,62 +4177,14 @@
       </p:sp>
       <p:sp>
         <p:nvSpPr>
-          <p:cNvPr id="25" name="角丸四角形 24"/>
-          <p:cNvSpPr/>
-          <p:nvPr/>
-        </p:nvSpPr>
-        <p:spPr>
-          <a:xfrm>
-            <a:off x="7804217" y="1600199"/>
-            <a:ext cx="1847088" cy="646331"/>
-          </a:xfrm>
-          <a:prstGeom prst="roundRect">
-            <a:avLst/>
-          </a:prstGeom>
-          <a:solidFill>
-            <a:schemeClr val="bg1"/>
-          </a:solidFill>
-          <a:ln>
-            <a:solidFill>
-              <a:schemeClr val="bg1"/>
-            </a:solidFill>
-          </a:ln>
-        </p:spPr>
-        <p:style>
-          <a:lnRef idx="2">
-            <a:schemeClr val="accent1">
-              <a:shade val="50000"/>
-            </a:schemeClr>
-          </a:lnRef>
-          <a:fillRef idx="1">
-            <a:schemeClr val="accent1"/>
-          </a:fillRef>
-          <a:effectRef idx="0">
-            <a:schemeClr val="accent1"/>
-          </a:effectRef>
-          <a:fontRef idx="minor">
-            <a:schemeClr val="lt1"/>
-          </a:fontRef>
-        </p:style>
-        <p:txBody>
-          <a:bodyPr rtlCol="0" anchor="ctr"/>
-          <a:lstStyle/>
-          <a:p>
-            <a:pPr algn="ctr"/>
-            <a:endParaRPr kumimoji="1" lang="ja-JP" altLang="en-US"/>
-          </a:p>
-        </p:txBody>
-      </p:sp>
-      <p:sp>
-        <p:nvSpPr>
-          <p:cNvPr id="16" name="テキスト ボックス 15"/>
+          <p:cNvPr id="36" name="テキスト ボックス 35"/>
           <p:cNvSpPr txBox="1"/>
           <p:nvPr/>
         </p:nvSpPr>
         <p:spPr>
           <a:xfrm>
-            <a:off x="2359152" y="1519708"/>
-            <a:ext cx="1920240" cy="369332"/>
+            <a:off x="7904381" y="4337531"/>
+            <a:ext cx="1814202" cy="646331"/>
           </a:xfrm>
           <a:prstGeom prst="rect">
             <a:avLst/>
@@ -4127,285 +4198,8 @@
           <a:lstStyle/>
           <a:p>
             <a:r>
-              <a:rPr kumimoji="1" lang="ja-JP" altLang="en-US" dirty="0" smtClean="0"/>
-              <a:t>商品を購入する</a:t>
-            </a:r>
-            <a:endParaRPr kumimoji="1" lang="ja-JP" altLang="en-US" dirty="0"/>
-          </a:p>
-        </p:txBody>
-      </p:sp>
-      <p:sp>
-        <p:nvSpPr>
-          <p:cNvPr id="27" name="テキスト ボックス 26"/>
-          <p:cNvSpPr txBox="1"/>
-          <p:nvPr/>
-        </p:nvSpPr>
-        <p:spPr>
-          <a:xfrm>
-            <a:off x="2018538" y="2129202"/>
-            <a:ext cx="2343150" cy="369332"/>
-          </a:xfrm>
-          <a:prstGeom prst="rect">
-            <a:avLst/>
-          </a:prstGeom>
-          <a:noFill/>
-        </p:spPr>
-        <p:txBody>
-          <a:bodyPr wrap="square" rtlCol="0">
-            <a:spAutoFit/>
-          </a:bodyPr>
-          <a:lstStyle/>
-          <a:p>
-            <a:r>
-              <a:rPr kumimoji="1" lang="ja-JP" altLang="en-US" dirty="0" smtClean="0"/>
-              <a:t>保有食品を閲覧する</a:t>
-            </a:r>
-            <a:endParaRPr kumimoji="1" lang="ja-JP" altLang="en-US" dirty="0"/>
-          </a:p>
-        </p:txBody>
-      </p:sp>
-      <p:sp>
-        <p:nvSpPr>
-          <p:cNvPr id="28" name="テキスト ボックス 27"/>
-          <p:cNvSpPr txBox="1"/>
-          <p:nvPr/>
-        </p:nvSpPr>
-        <p:spPr>
-          <a:xfrm>
-            <a:off x="2244666" y="2797338"/>
-            <a:ext cx="2343150" cy="369332"/>
-          </a:xfrm>
-          <a:prstGeom prst="rect">
-            <a:avLst/>
-          </a:prstGeom>
-          <a:noFill/>
-        </p:spPr>
-        <p:txBody>
-          <a:bodyPr wrap="square" rtlCol="0">
-            <a:spAutoFit/>
-          </a:bodyPr>
-          <a:lstStyle/>
-          <a:p>
-            <a:r>
-              <a:rPr kumimoji="1" lang="ja-JP" altLang="en-US" dirty="0" smtClean="0"/>
-              <a:t>保有食品を削除する</a:t>
-            </a:r>
-            <a:endParaRPr kumimoji="1" lang="ja-JP" altLang="en-US" dirty="0"/>
-          </a:p>
-        </p:txBody>
-      </p:sp>
-      <p:sp>
-        <p:nvSpPr>
-          <p:cNvPr id="29" name="テキスト ボックス 28"/>
-          <p:cNvSpPr txBox="1"/>
-          <p:nvPr/>
-        </p:nvSpPr>
-        <p:spPr>
-          <a:xfrm>
-            <a:off x="2002536" y="3434624"/>
-            <a:ext cx="2512332" cy="369332"/>
-          </a:xfrm>
-          <a:prstGeom prst="rect">
-            <a:avLst/>
-          </a:prstGeom>
-          <a:noFill/>
-        </p:spPr>
-        <p:txBody>
-          <a:bodyPr wrap="square" rtlCol="0">
-            <a:spAutoFit/>
-          </a:bodyPr>
-          <a:lstStyle/>
-          <a:p>
-            <a:r>
-              <a:rPr kumimoji="1" lang="ja-JP" altLang="en-US" dirty="0" smtClean="0"/>
-              <a:t>保有食品をソートする</a:t>
-            </a:r>
-            <a:endParaRPr kumimoji="1" lang="ja-JP" altLang="en-US" dirty="0"/>
-          </a:p>
-        </p:txBody>
-      </p:sp>
-      <p:sp>
-        <p:nvSpPr>
-          <p:cNvPr id="30" name="テキスト ボックス 29"/>
-          <p:cNvSpPr txBox="1"/>
-          <p:nvPr/>
-        </p:nvSpPr>
-        <p:spPr>
-          <a:xfrm>
-            <a:off x="2278956" y="4073848"/>
-            <a:ext cx="2343150" cy="369332"/>
-          </a:xfrm>
-          <a:prstGeom prst="rect">
-            <a:avLst/>
-          </a:prstGeom>
-          <a:noFill/>
-        </p:spPr>
-        <p:txBody>
-          <a:bodyPr wrap="square" rtlCol="0">
-            <a:spAutoFit/>
-          </a:bodyPr>
-          <a:lstStyle/>
-          <a:p>
-            <a:r>
-              <a:rPr kumimoji="1" lang="ja-JP" altLang="en-US" dirty="0" smtClean="0"/>
-              <a:t>購入食品を表示する</a:t>
-            </a:r>
-            <a:endParaRPr kumimoji="1" lang="ja-JP" altLang="en-US" dirty="0"/>
-          </a:p>
-        </p:txBody>
-      </p:sp>
-      <p:sp>
-        <p:nvSpPr>
-          <p:cNvPr id="31" name="テキスト ボックス 30"/>
-          <p:cNvSpPr txBox="1"/>
-          <p:nvPr/>
-        </p:nvSpPr>
-        <p:spPr>
-          <a:xfrm>
-            <a:off x="2018538" y="4660740"/>
-            <a:ext cx="2343150" cy="369332"/>
-          </a:xfrm>
-          <a:prstGeom prst="rect">
-            <a:avLst/>
-          </a:prstGeom>
-          <a:noFill/>
-        </p:spPr>
-        <p:txBody>
-          <a:bodyPr wrap="square" rtlCol="0">
-            <a:spAutoFit/>
-          </a:bodyPr>
-          <a:lstStyle/>
-          <a:p>
-            <a:r>
-              <a:rPr kumimoji="1" lang="ja-JP" altLang="en-US" dirty="0" smtClean="0"/>
-              <a:t>購入履歴を閲覧する</a:t>
-            </a:r>
-            <a:endParaRPr kumimoji="1" lang="ja-JP" altLang="en-US" dirty="0"/>
-          </a:p>
-        </p:txBody>
-      </p:sp>
-      <p:sp>
-        <p:nvSpPr>
-          <p:cNvPr id="32" name="テキスト ボックス 31"/>
-          <p:cNvSpPr txBox="1"/>
-          <p:nvPr/>
-        </p:nvSpPr>
-        <p:spPr>
-          <a:xfrm>
-            <a:off x="2288100" y="5284412"/>
-            <a:ext cx="2569464" cy="369332"/>
-          </a:xfrm>
-          <a:prstGeom prst="rect">
-            <a:avLst/>
-          </a:prstGeom>
-          <a:noFill/>
-        </p:spPr>
-        <p:txBody>
-          <a:bodyPr wrap="square" rtlCol="0">
-            <a:spAutoFit/>
-          </a:bodyPr>
-          <a:lstStyle/>
-          <a:p>
-            <a:r>
-              <a:rPr kumimoji="1" lang="ja-JP" altLang="en-US" dirty="0" smtClean="0"/>
-              <a:t>特売・特価情報の通知</a:t>
-            </a:r>
-            <a:endParaRPr kumimoji="1" lang="ja-JP" altLang="en-US" dirty="0"/>
-          </a:p>
-        </p:txBody>
-      </p:sp>
-      <p:sp>
-        <p:nvSpPr>
-          <p:cNvPr id="33" name="テキスト ボックス 32"/>
-          <p:cNvSpPr txBox="1"/>
-          <p:nvPr/>
-        </p:nvSpPr>
-        <p:spPr>
-          <a:xfrm>
-            <a:off x="2018538" y="5894154"/>
-            <a:ext cx="2955798" cy="369332"/>
-          </a:xfrm>
-          <a:prstGeom prst="rect">
-            <a:avLst/>
-          </a:prstGeom>
-          <a:noFill/>
-        </p:spPr>
-        <p:txBody>
-          <a:bodyPr wrap="square" rtlCol="0">
-            <a:spAutoFit/>
-          </a:bodyPr>
-          <a:lstStyle/>
-          <a:p>
-            <a:r>
-              <a:rPr kumimoji="1" lang="ja-JP" altLang="en-US" dirty="0" smtClean="0"/>
-              <a:t>お気に入り店舗の登録</a:t>
-            </a:r>
-            <a:endParaRPr kumimoji="1" lang="ja-JP" altLang="en-US" dirty="0"/>
-          </a:p>
-        </p:txBody>
-      </p:sp>
-      <p:sp>
-        <p:nvSpPr>
-          <p:cNvPr id="34" name="テキスト ボックス 33"/>
-          <p:cNvSpPr txBox="1"/>
-          <p:nvPr/>
-        </p:nvSpPr>
-        <p:spPr>
-          <a:xfrm>
-            <a:off x="5328517" y="2797338"/>
-            <a:ext cx="1529352" cy="646331"/>
-          </a:xfrm>
-          <a:prstGeom prst="rect">
-            <a:avLst/>
-          </a:prstGeom>
-          <a:noFill/>
-        </p:spPr>
-        <p:txBody>
-          <a:bodyPr wrap="square" rtlCol="0">
-            <a:spAutoFit/>
-          </a:bodyPr>
-          <a:lstStyle/>
-          <a:p>
-            <a:r>
-              <a:rPr kumimoji="1" lang="ja-JP" altLang="en-US" dirty="0" smtClean="0"/>
-              <a:t>ログイン</a:t>
-            </a:r>
-            <a:endParaRPr kumimoji="1" lang="en-US" altLang="ja-JP" dirty="0" smtClean="0"/>
-          </a:p>
-          <a:p>
-            <a:r>
-              <a:rPr kumimoji="1" lang="ja-JP" altLang="en-US" dirty="0" smtClean="0"/>
-              <a:t>　　   認証　</a:t>
-            </a:r>
-            <a:endParaRPr kumimoji="1" lang="ja-JP" altLang="en-US" dirty="0"/>
-          </a:p>
-        </p:txBody>
-      </p:sp>
-      <p:sp>
-        <p:nvSpPr>
-          <p:cNvPr id="35" name="テキスト ボックス 34"/>
-          <p:cNvSpPr txBox="1"/>
-          <p:nvPr/>
-        </p:nvSpPr>
-        <p:spPr>
-          <a:xfrm>
-            <a:off x="7871495" y="1600200"/>
-            <a:ext cx="1814202" cy="646331"/>
-          </a:xfrm>
-          <a:prstGeom prst="rect">
-            <a:avLst/>
-          </a:prstGeom>
-          <a:noFill/>
-        </p:spPr>
-        <p:txBody>
-          <a:bodyPr wrap="square" rtlCol="0">
-            <a:spAutoFit/>
-          </a:bodyPr>
-          <a:lstStyle/>
-          <a:p>
-            <a:r>
               <a:rPr lang="ja-JP" altLang="en-US" dirty="0" smtClean="0"/>
-              <a:t>特価商品を</a:t>
+              <a:t>特売商品を</a:t>
             </a:r>
             <a:endParaRPr lang="en-US" altLang="ja-JP" dirty="0" smtClean="0"/>
           </a:p>
@@ -4422,107 +4216,16 @@
           </a:p>
         </p:txBody>
       </p:sp>
-      <p:sp>
-        <p:nvSpPr>
-          <p:cNvPr id="37" name="角丸四角形 36"/>
-          <p:cNvSpPr/>
-          <p:nvPr/>
-        </p:nvSpPr>
-        <p:spPr>
-          <a:xfrm>
-            <a:off x="7871495" y="4337531"/>
-            <a:ext cx="1847088" cy="646331"/>
-          </a:xfrm>
-          <a:prstGeom prst="roundRect">
-            <a:avLst/>
-          </a:prstGeom>
-          <a:solidFill>
-            <a:schemeClr val="bg1"/>
-          </a:solidFill>
-          <a:ln>
-            <a:solidFill>
-              <a:schemeClr val="bg1"/>
-            </a:solidFill>
-          </a:ln>
-        </p:spPr>
-        <p:style>
-          <a:lnRef idx="2">
-            <a:schemeClr val="accent1">
-              <a:shade val="50000"/>
-            </a:schemeClr>
-          </a:lnRef>
-          <a:fillRef idx="1">
-            <a:schemeClr val="accent1"/>
-          </a:fillRef>
-          <a:effectRef idx="0">
-            <a:schemeClr val="accent1"/>
-          </a:effectRef>
-          <a:fontRef idx="minor">
-            <a:schemeClr val="lt1"/>
-          </a:fontRef>
-        </p:style>
-        <p:txBody>
-          <a:bodyPr rtlCol="0" anchor="ctr"/>
-          <a:lstStyle/>
-          <a:p>
-            <a:pPr algn="ctr"/>
-            <a:endParaRPr kumimoji="1" lang="ja-JP" altLang="en-US"/>
-          </a:p>
-        </p:txBody>
-      </p:sp>
-      <p:sp>
-        <p:nvSpPr>
-          <p:cNvPr id="36" name="テキスト ボックス 35"/>
-          <p:cNvSpPr txBox="1"/>
-          <p:nvPr/>
-        </p:nvSpPr>
-        <p:spPr>
-          <a:xfrm>
-            <a:off x="7904381" y="4337531"/>
-            <a:ext cx="1814202" cy="646331"/>
-          </a:xfrm>
-          <a:prstGeom prst="rect">
-            <a:avLst/>
-          </a:prstGeom>
-          <a:noFill/>
-        </p:spPr>
-        <p:txBody>
-          <a:bodyPr wrap="square" rtlCol="0">
-            <a:spAutoFit/>
-          </a:bodyPr>
-          <a:lstStyle/>
-          <a:p>
-            <a:r>
-              <a:rPr lang="ja-JP" altLang="en-US" dirty="0" smtClean="0"/>
-              <a:t>特売商品を</a:t>
-            </a:r>
-            <a:endParaRPr lang="en-US" altLang="ja-JP" dirty="0" smtClean="0"/>
-          </a:p>
-          <a:p>
-            <a:r>
-              <a:rPr kumimoji="1" lang="ja-JP" altLang="en-US" dirty="0"/>
-              <a:t>　</a:t>
-            </a:r>
-            <a:r>
-              <a:rPr kumimoji="1" lang="ja-JP" altLang="en-US" dirty="0" smtClean="0"/>
-              <a:t>　　決定する</a:t>
-            </a:r>
-            <a:endParaRPr kumimoji="1" lang="ja-JP" altLang="en-US" dirty="0"/>
-          </a:p>
-        </p:txBody>
-      </p:sp>
       <p:cxnSp>
         <p:nvCxnSpPr>
-          <p:cNvPr id="39" name="直線矢印コネクタ 38"/>
-          <p:cNvCxnSpPr>
-            <a:stCxn id="27" idx="3"/>
-          </p:cNvCxnSpPr>
+          <p:cNvPr id="44" name="直線矢印コネクタ 43"/>
+          <p:cNvCxnSpPr/>
           <p:nvPr/>
         </p:nvCxnSpPr>
         <p:spPr>
-          <a:xfrm>
-            <a:off x="4361688" y="2313868"/>
-            <a:ext cx="923544" cy="417742"/>
+          <a:xfrm flipH="1">
+            <a:off x="6856893" y="3480790"/>
+            <a:ext cx="894534" cy="1305854"/>
           </a:xfrm>
           <a:prstGeom prst="straightConnector1">
             <a:avLst/>
@@ -4552,14 +4255,16 @@
       </p:cxnSp>
       <p:cxnSp>
         <p:nvCxnSpPr>
-          <p:cNvPr id="42" name="直線矢印コネクタ 41"/>
-          <p:cNvCxnSpPr/>
+          <p:cNvPr id="48" name="直線矢印コネクタ 47"/>
+          <p:cNvCxnSpPr>
+            <a:endCxn id="32" idx="3"/>
+          </p:cNvCxnSpPr>
           <p:nvPr/>
         </p:nvCxnSpPr>
         <p:spPr>
-          <a:xfrm flipV="1">
-            <a:off x="4567428" y="3671348"/>
-            <a:ext cx="859536" cy="596154"/>
+          <a:xfrm flipH="1">
+            <a:off x="6834358" y="4576297"/>
+            <a:ext cx="1025469" cy="420694"/>
           </a:xfrm>
           <a:prstGeom prst="straightConnector1">
             <a:avLst/>
@@ -4570,150 +4275,6 @@
             </a:solidFill>
             <a:prstDash val="sysDot"/>
             <a:tailEnd type="triangle"/>
-          </a:ln>
-        </p:spPr>
-        <p:style>
-          <a:lnRef idx="1">
-            <a:schemeClr val="accent1"/>
-          </a:lnRef>
-          <a:fillRef idx="0">
-            <a:schemeClr val="accent1"/>
-          </a:fillRef>
-          <a:effectRef idx="0">
-            <a:schemeClr val="accent1"/>
-          </a:effectRef>
-          <a:fontRef idx="minor">
-            <a:schemeClr val="tx1"/>
-          </a:fontRef>
-        </p:style>
-      </p:cxnSp>
-      <p:cxnSp>
-        <p:nvCxnSpPr>
-          <p:cNvPr id="44" name="直線矢印コネクタ 43"/>
-          <p:cNvCxnSpPr/>
-          <p:nvPr/>
-        </p:nvCxnSpPr>
-        <p:spPr>
-          <a:xfrm flipH="1">
-            <a:off x="6742379" y="2129159"/>
-            <a:ext cx="1005841" cy="587190"/>
-          </a:xfrm>
-          <a:prstGeom prst="straightConnector1">
-            <a:avLst/>
-          </a:prstGeom>
-          <a:ln w="57150">
-            <a:solidFill>
-              <a:schemeClr val="accent2"/>
-            </a:solidFill>
-            <a:prstDash val="sysDot"/>
-            <a:tailEnd type="triangle"/>
-          </a:ln>
-        </p:spPr>
-        <p:style>
-          <a:lnRef idx="1">
-            <a:schemeClr val="accent1"/>
-          </a:lnRef>
-          <a:fillRef idx="0">
-            <a:schemeClr val="accent1"/>
-          </a:fillRef>
-          <a:effectRef idx="0">
-            <a:schemeClr val="accent1"/>
-          </a:effectRef>
-          <a:fontRef idx="minor">
-            <a:schemeClr val="tx1"/>
-          </a:fontRef>
-        </p:style>
-      </p:cxnSp>
-      <p:cxnSp>
-        <p:nvCxnSpPr>
-          <p:cNvPr id="48" name="直線矢印コネクタ 47"/>
-          <p:cNvCxnSpPr/>
-          <p:nvPr/>
-        </p:nvCxnSpPr>
-        <p:spPr>
-          <a:xfrm flipH="1" flipV="1">
-            <a:off x="6675468" y="3616555"/>
-            <a:ext cx="1184358" cy="959742"/>
-          </a:xfrm>
-          <a:prstGeom prst="straightConnector1">
-            <a:avLst/>
-          </a:prstGeom>
-          <a:ln w="57150">
-            <a:solidFill>
-              <a:schemeClr val="accent2"/>
-            </a:solidFill>
-            <a:prstDash val="sysDot"/>
-            <a:tailEnd type="triangle"/>
-          </a:ln>
-        </p:spPr>
-        <p:style>
-          <a:lnRef idx="1">
-            <a:schemeClr val="accent1"/>
-          </a:lnRef>
-          <a:fillRef idx="0">
-            <a:schemeClr val="accent1"/>
-          </a:fillRef>
-          <a:effectRef idx="0">
-            <a:schemeClr val="accent1"/>
-          </a:effectRef>
-          <a:fontRef idx="minor">
-            <a:schemeClr val="tx1"/>
-          </a:fontRef>
-        </p:style>
-      </p:cxnSp>
-      <p:cxnSp>
-        <p:nvCxnSpPr>
-          <p:cNvPr id="54" name="直線コネクタ 53"/>
-          <p:cNvCxnSpPr/>
-          <p:nvPr/>
-        </p:nvCxnSpPr>
-        <p:spPr>
-          <a:xfrm flipV="1">
-            <a:off x="1125855" y="1161288"/>
-            <a:ext cx="844677" cy="1031370"/>
-          </a:xfrm>
-          <a:prstGeom prst="line">
-            <a:avLst/>
-          </a:prstGeom>
-          <a:ln w="38100">
-            <a:solidFill>
-              <a:schemeClr val="tx2"/>
-            </a:solidFill>
-          </a:ln>
-        </p:spPr>
-        <p:style>
-          <a:lnRef idx="1">
-            <a:schemeClr val="accent1"/>
-          </a:lnRef>
-          <a:fillRef idx="0">
-            <a:schemeClr val="accent1"/>
-          </a:fillRef>
-          <a:effectRef idx="0">
-            <a:schemeClr val="accent1"/>
-          </a:effectRef>
-          <a:fontRef idx="minor">
-            <a:schemeClr val="tx1"/>
-          </a:fontRef>
-        </p:style>
-      </p:cxnSp>
-      <p:cxnSp>
-        <p:nvCxnSpPr>
-          <p:cNvPr id="55" name="直線コネクタ 54"/>
-          <p:cNvCxnSpPr/>
-          <p:nvPr/>
-        </p:nvCxnSpPr>
-        <p:spPr>
-          <a:xfrm flipV="1">
-            <a:off x="1224987" y="1639854"/>
-            <a:ext cx="1019679" cy="762998"/>
-          </a:xfrm>
-          <a:prstGeom prst="line">
-            <a:avLst/>
-          </a:prstGeom>
-          <a:ln w="38100">
-            <a:solidFill>
-              <a:schemeClr val="tx2"/>
-            </a:solidFill>
           </a:ln>
         </p:spPr>
         <p:style>
@@ -4739,115 +4300,8 @@
         </p:nvCxnSpPr>
         <p:spPr>
           <a:xfrm flipV="1">
-            <a:off x="1331688" y="2336941"/>
-            <a:ext cx="649309" cy="304326"/>
-          </a:xfrm>
-          <a:prstGeom prst="line">
-            <a:avLst/>
-          </a:prstGeom>
-          <a:ln w="38100">
-            <a:solidFill>
-              <a:schemeClr val="tx2"/>
-            </a:solidFill>
-          </a:ln>
-        </p:spPr>
-        <p:style>
-          <a:lnRef idx="1">
-            <a:schemeClr val="accent1"/>
-          </a:lnRef>
-          <a:fillRef idx="0">
-            <a:schemeClr val="accent1"/>
-          </a:fillRef>
-          <a:effectRef idx="0">
-            <a:schemeClr val="accent1"/>
-          </a:effectRef>
-          <a:fontRef idx="minor">
-            <a:schemeClr val="tx1"/>
-          </a:fontRef>
-        </p:style>
-      </p:cxnSp>
-      <p:cxnSp>
-        <p:nvCxnSpPr>
-          <p:cNvPr id="62" name="直線コネクタ 61"/>
-          <p:cNvCxnSpPr>
-            <a:endCxn id="28" idx="1"/>
-          </p:cNvCxnSpPr>
-          <p:nvPr/>
-        </p:nvCxnSpPr>
-        <p:spPr>
-          <a:xfrm>
-            <a:off x="1403245" y="2935482"/>
-            <a:ext cx="841421" cy="46522"/>
-          </a:xfrm>
-          <a:prstGeom prst="line">
-            <a:avLst/>
-          </a:prstGeom>
-          <a:ln w="38100">
-            <a:solidFill>
-              <a:schemeClr val="tx2"/>
-            </a:solidFill>
-          </a:ln>
-        </p:spPr>
-        <p:style>
-          <a:lnRef idx="1">
-            <a:schemeClr val="accent1"/>
-          </a:lnRef>
-          <a:fillRef idx="0">
-            <a:schemeClr val="accent1"/>
-          </a:fillRef>
-          <a:effectRef idx="0">
-            <a:schemeClr val="accent1"/>
-          </a:effectRef>
-          <a:fontRef idx="minor">
-            <a:schemeClr val="tx1"/>
-          </a:fontRef>
-        </p:style>
-      </p:cxnSp>
-      <p:cxnSp>
-        <p:nvCxnSpPr>
-          <p:cNvPr id="66" name="直線コネクタ 65"/>
-          <p:cNvCxnSpPr/>
-          <p:nvPr/>
-        </p:nvCxnSpPr>
-        <p:spPr>
-          <a:xfrm>
-            <a:off x="1413212" y="3411406"/>
-            <a:ext cx="609827" cy="199667"/>
-          </a:xfrm>
-          <a:prstGeom prst="line">
-            <a:avLst/>
-          </a:prstGeom>
-          <a:ln w="38100">
-            <a:solidFill>
-              <a:schemeClr val="tx2"/>
-            </a:solidFill>
-          </a:ln>
-        </p:spPr>
-        <p:style>
-          <a:lnRef idx="1">
-            <a:schemeClr val="accent1"/>
-          </a:lnRef>
-          <a:fillRef idx="0">
-            <a:schemeClr val="accent1"/>
-          </a:fillRef>
-          <a:effectRef idx="0">
-            <a:schemeClr val="accent1"/>
-          </a:effectRef>
-          <a:fontRef idx="minor">
-            <a:schemeClr val="tx1"/>
-          </a:fontRef>
-        </p:style>
-      </p:cxnSp>
-      <p:cxnSp>
-        <p:nvCxnSpPr>
-          <p:cNvPr id="67" name="直線コネクタ 66"/>
-          <p:cNvCxnSpPr/>
-          <p:nvPr/>
-        </p:nvCxnSpPr>
-        <p:spPr>
-          <a:xfrm>
-            <a:off x="1331688" y="3714647"/>
-            <a:ext cx="906078" cy="516855"/>
+            <a:off x="1331688" y="1828445"/>
+            <a:ext cx="1454018" cy="812823"/>
           </a:xfrm>
           <a:prstGeom prst="line">
             <a:avLst/>
@@ -4876,48 +4330,16 @@
       <p:cxnSp>
         <p:nvCxnSpPr>
           <p:cNvPr id="68" name="直線コネクタ 67"/>
-          <p:cNvCxnSpPr/>
+          <p:cNvCxnSpPr>
+            <a:stCxn id="10" idx="3"/>
+            <a:endCxn id="31" idx="1"/>
+          </p:cNvCxnSpPr>
           <p:nvPr/>
         </p:nvCxnSpPr>
         <p:spPr>
           <a:xfrm>
-            <a:off x="1279128" y="3899313"/>
-            <a:ext cx="717871" cy="866868"/>
-          </a:xfrm>
-          <a:prstGeom prst="line">
-            <a:avLst/>
-          </a:prstGeom>
-          <a:ln w="38100">
-            <a:solidFill>
-              <a:schemeClr val="tx2"/>
-            </a:solidFill>
-          </a:ln>
-        </p:spPr>
-        <p:style>
-          <a:lnRef idx="1">
-            <a:schemeClr val="accent1"/>
-          </a:lnRef>
-          <a:fillRef idx="0">
-            <a:schemeClr val="accent1"/>
-          </a:fillRef>
-          <a:effectRef idx="0">
-            <a:schemeClr val="accent1"/>
-          </a:effectRef>
-          <a:fontRef idx="minor">
-            <a:schemeClr val="tx1"/>
-          </a:fontRef>
-        </p:style>
-      </p:cxnSp>
-      <p:cxnSp>
-        <p:nvCxnSpPr>
-          <p:cNvPr id="69" name="直線コネクタ 68"/>
-          <p:cNvCxnSpPr/>
-          <p:nvPr/>
-        </p:nvCxnSpPr>
-        <p:spPr>
-          <a:xfrm>
-            <a:off x="1177308" y="4039434"/>
-            <a:ext cx="1085646" cy="1438273"/>
+            <a:off x="1197827" y="3803956"/>
+            <a:ext cx="915108" cy="567076"/>
           </a:xfrm>
           <a:prstGeom prst="line">
             <a:avLst/>
@@ -4952,7 +4374,7 @@
         <p:spPr>
           <a:xfrm>
             <a:off x="964492" y="4190655"/>
-            <a:ext cx="1016505" cy="1903426"/>
+            <a:ext cx="1037326" cy="1888165"/>
           </a:xfrm>
           <a:prstGeom prst="line">
             <a:avLst/>
@@ -4986,7 +4408,7 @@
         </p:nvCxnSpPr>
         <p:spPr>
           <a:xfrm flipV="1">
-            <a:off x="9651305" y="1755071"/>
+            <a:off x="9698825" y="3264050"/>
             <a:ext cx="1102632" cy="128213"/>
           </a:xfrm>
           <a:prstGeom prst="line">
@@ -5048,6 +4470,449 @@
           </a:fontRef>
         </p:style>
       </p:cxnSp>
+      <p:sp>
+        <p:nvSpPr>
+          <p:cNvPr id="61" name="角丸四角形 60"/>
+          <p:cNvSpPr/>
+          <p:nvPr/>
+        </p:nvSpPr>
+        <p:spPr>
+          <a:xfrm>
+            <a:off x="7533406" y="5734135"/>
+            <a:ext cx="2196846" cy="512064"/>
+          </a:xfrm>
+          <a:prstGeom prst="roundRect">
+            <a:avLst/>
+          </a:prstGeom>
+          <a:solidFill>
+            <a:schemeClr val="bg1"/>
+          </a:solidFill>
+          <a:ln>
+            <a:solidFill>
+              <a:schemeClr val="bg1"/>
+            </a:solidFill>
+          </a:ln>
+        </p:spPr>
+        <p:style>
+          <a:lnRef idx="2">
+            <a:schemeClr val="accent1">
+              <a:shade val="50000"/>
+            </a:schemeClr>
+          </a:lnRef>
+          <a:fillRef idx="1">
+            <a:schemeClr val="accent1"/>
+          </a:fillRef>
+          <a:effectRef idx="0">
+            <a:schemeClr val="accent1"/>
+          </a:effectRef>
+          <a:fontRef idx="minor">
+            <a:schemeClr val="lt1"/>
+          </a:fontRef>
+        </p:style>
+        <p:txBody>
+          <a:bodyPr rtlCol="0" anchor="ctr"/>
+          <a:lstStyle/>
+          <a:p>
+            <a:pPr algn="ctr"/>
+            <a:endParaRPr kumimoji="1" lang="ja-JP" altLang="en-US"/>
+          </a:p>
+        </p:txBody>
+      </p:sp>
+      <p:sp>
+        <p:nvSpPr>
+          <p:cNvPr id="64" name="テキスト ボックス 63"/>
+          <p:cNvSpPr txBox="1"/>
+          <p:nvPr/>
+        </p:nvSpPr>
+        <p:spPr>
+          <a:xfrm>
+            <a:off x="7533406" y="5822885"/>
+            <a:ext cx="2343150" cy="369332"/>
+          </a:xfrm>
+          <a:prstGeom prst="rect">
+            <a:avLst/>
+          </a:prstGeom>
+          <a:noFill/>
+        </p:spPr>
+        <p:txBody>
+          <a:bodyPr wrap="square" rtlCol="0">
+            <a:spAutoFit/>
+          </a:bodyPr>
+          <a:lstStyle/>
+          <a:p>
+            <a:r>
+              <a:rPr lang="ja-JP" altLang="en-US" dirty="0" smtClean="0"/>
+              <a:t>店舗情報を登録する</a:t>
+            </a:r>
+            <a:endParaRPr kumimoji="1" lang="ja-JP" altLang="en-US" dirty="0"/>
+          </a:p>
+        </p:txBody>
+      </p:sp>
+      <p:cxnSp>
+        <p:nvCxnSpPr>
+          <p:cNvPr id="65" name="直線コネクタ 64"/>
+          <p:cNvCxnSpPr/>
+          <p:nvPr/>
+        </p:nvCxnSpPr>
+        <p:spPr>
+          <a:xfrm flipV="1">
+            <a:off x="9730252" y="4742645"/>
+            <a:ext cx="1302210" cy="1273952"/>
+          </a:xfrm>
+          <a:prstGeom prst="line">
+            <a:avLst/>
+          </a:prstGeom>
+          <a:ln w="38100">
+            <a:solidFill>
+              <a:schemeClr val="tx2"/>
+            </a:solidFill>
+          </a:ln>
+        </p:spPr>
+        <p:style>
+          <a:lnRef idx="1">
+            <a:schemeClr val="accent1"/>
+          </a:lnRef>
+          <a:fillRef idx="0">
+            <a:schemeClr val="accent1"/>
+          </a:fillRef>
+          <a:effectRef idx="0">
+            <a:schemeClr val="accent1"/>
+          </a:effectRef>
+          <a:fontRef idx="minor">
+            <a:schemeClr val="tx1"/>
+          </a:fontRef>
+        </p:style>
+      </p:cxnSp>
+      <p:cxnSp>
+        <p:nvCxnSpPr>
+          <p:cNvPr id="74" name="直線矢印コネクタ 73"/>
+          <p:cNvCxnSpPr/>
+          <p:nvPr/>
+        </p:nvCxnSpPr>
+        <p:spPr>
+          <a:xfrm flipH="1">
+            <a:off x="4539192" y="6029779"/>
+            <a:ext cx="2945566" cy="49041"/>
+          </a:xfrm>
+          <a:prstGeom prst="straightConnector1">
+            <a:avLst/>
+          </a:prstGeom>
+          <a:ln w="57150">
+            <a:solidFill>
+              <a:schemeClr val="accent2"/>
+            </a:solidFill>
+            <a:prstDash val="sysDot"/>
+            <a:tailEnd type="triangle"/>
+          </a:ln>
+        </p:spPr>
+        <p:style>
+          <a:lnRef idx="1">
+            <a:schemeClr val="accent1"/>
+          </a:lnRef>
+          <a:fillRef idx="0">
+            <a:schemeClr val="accent1"/>
+          </a:fillRef>
+          <a:effectRef idx="0">
+            <a:schemeClr val="accent1"/>
+          </a:effectRef>
+          <a:fontRef idx="minor">
+            <a:schemeClr val="tx1"/>
+          </a:fontRef>
+        </p:style>
+      </p:cxnSp>
+      <p:cxnSp>
+        <p:nvCxnSpPr>
+          <p:cNvPr id="81" name="直線矢印コネクタ 80"/>
+          <p:cNvCxnSpPr>
+            <a:stCxn id="22" idx="0"/>
+            <a:endCxn id="20" idx="2"/>
+          </p:cNvCxnSpPr>
+          <p:nvPr/>
+        </p:nvCxnSpPr>
+        <p:spPr>
+          <a:xfrm flipH="1" flipV="1">
+            <a:off x="2889642" y="3382912"/>
+            <a:ext cx="324858" cy="732863"/>
+          </a:xfrm>
+          <a:prstGeom prst="straightConnector1">
+            <a:avLst/>
+          </a:prstGeom>
+          <a:ln w="57150">
+            <a:solidFill>
+              <a:schemeClr val="accent6"/>
+            </a:solidFill>
+            <a:prstDash val="sysDot"/>
+            <a:tailEnd type="triangle"/>
+          </a:ln>
+        </p:spPr>
+        <p:style>
+          <a:lnRef idx="1">
+            <a:schemeClr val="accent1"/>
+          </a:lnRef>
+          <a:fillRef idx="0">
+            <a:schemeClr val="accent1"/>
+          </a:fillRef>
+          <a:effectRef idx="0">
+            <a:schemeClr val="accent1"/>
+          </a:effectRef>
+          <a:fontRef idx="minor">
+            <a:schemeClr val="tx1"/>
+          </a:fontRef>
+        </p:style>
+      </p:cxnSp>
+      <p:cxnSp>
+        <p:nvCxnSpPr>
+          <p:cNvPr id="84" name="直線矢印コネクタ 83"/>
+          <p:cNvCxnSpPr>
+            <a:stCxn id="18" idx="2"/>
+            <a:endCxn id="20" idx="0"/>
+          </p:cNvCxnSpPr>
+          <p:nvPr/>
+        </p:nvCxnSpPr>
+        <p:spPr>
+          <a:xfrm flipH="1">
+            <a:off x="2889642" y="2079664"/>
+            <a:ext cx="1067639" cy="791184"/>
+          </a:xfrm>
+          <a:prstGeom prst="straightConnector1">
+            <a:avLst/>
+          </a:prstGeom>
+          <a:ln w="57150">
+            <a:solidFill>
+              <a:schemeClr val="accent6"/>
+            </a:solidFill>
+            <a:prstDash val="sysDot"/>
+            <a:tailEnd type="triangle"/>
+          </a:ln>
+        </p:spPr>
+        <p:style>
+          <a:lnRef idx="1">
+            <a:schemeClr val="accent1"/>
+          </a:lnRef>
+          <a:fillRef idx="0">
+            <a:schemeClr val="accent1"/>
+          </a:fillRef>
+          <a:effectRef idx="0">
+            <a:schemeClr val="accent1"/>
+          </a:effectRef>
+          <a:fontRef idx="minor">
+            <a:schemeClr val="tx1"/>
+          </a:fontRef>
+        </p:style>
+      </p:cxnSp>
+      <p:cxnSp>
+        <p:nvCxnSpPr>
+          <p:cNvPr id="91" name="直線矢印コネクタ 90"/>
+          <p:cNvCxnSpPr>
+            <a:endCxn id="19" idx="0"/>
+          </p:cNvCxnSpPr>
+          <p:nvPr/>
+        </p:nvCxnSpPr>
+        <p:spPr>
+          <a:xfrm>
+            <a:off x="3951507" y="2112887"/>
+            <a:ext cx="1718514" cy="757961"/>
+          </a:xfrm>
+          <a:prstGeom prst="straightConnector1">
+            <a:avLst/>
+          </a:prstGeom>
+          <a:ln w="57150">
+            <a:solidFill>
+              <a:schemeClr val="accent6"/>
+            </a:solidFill>
+            <a:prstDash val="sysDot"/>
+            <a:tailEnd type="triangle"/>
+          </a:ln>
+        </p:spPr>
+        <p:style>
+          <a:lnRef idx="1">
+            <a:schemeClr val="accent1"/>
+          </a:lnRef>
+          <a:fillRef idx="0">
+            <a:schemeClr val="accent1"/>
+          </a:fillRef>
+          <a:effectRef idx="0">
+            <a:schemeClr val="accent1"/>
+          </a:effectRef>
+          <a:fontRef idx="minor">
+            <a:schemeClr val="tx1"/>
+          </a:fontRef>
+        </p:style>
+      </p:cxnSp>
+      <p:cxnSp>
+        <p:nvCxnSpPr>
+          <p:cNvPr id="99" name="直線矢印コネクタ 98"/>
+          <p:cNvCxnSpPr>
+            <a:stCxn id="24" idx="0"/>
+            <a:endCxn id="32" idx="1"/>
+          </p:cNvCxnSpPr>
+          <p:nvPr/>
+        </p:nvCxnSpPr>
+        <p:spPr>
+          <a:xfrm flipV="1">
+            <a:off x="3266703" y="4996991"/>
+            <a:ext cx="582325" cy="793589"/>
+          </a:xfrm>
+          <a:prstGeom prst="straightConnector1">
+            <a:avLst/>
+          </a:prstGeom>
+          <a:ln w="57150">
+            <a:solidFill>
+              <a:schemeClr val="accent2"/>
+            </a:solidFill>
+            <a:prstDash val="sysDot"/>
+            <a:tailEnd type="triangle"/>
+          </a:ln>
+        </p:spPr>
+        <p:style>
+          <a:lnRef idx="1">
+            <a:schemeClr val="accent1"/>
+          </a:lnRef>
+          <a:fillRef idx="0">
+            <a:schemeClr val="accent1"/>
+          </a:fillRef>
+          <a:effectRef idx="0">
+            <a:schemeClr val="accent1"/>
+          </a:effectRef>
+          <a:fontRef idx="minor">
+            <a:schemeClr val="tx1"/>
+          </a:fontRef>
+        </p:style>
+      </p:cxnSp>
+      <p:cxnSp>
+        <p:nvCxnSpPr>
+          <p:cNvPr id="104" name="直線矢印コネクタ 103"/>
+          <p:cNvCxnSpPr/>
+          <p:nvPr/>
+        </p:nvCxnSpPr>
+        <p:spPr>
+          <a:xfrm flipV="1">
+            <a:off x="9705062" y="269456"/>
+            <a:ext cx="1080734" cy="2034"/>
+          </a:xfrm>
+          <a:prstGeom prst="straightConnector1">
+            <a:avLst/>
+          </a:prstGeom>
+          <a:ln w="57150">
+            <a:solidFill>
+              <a:schemeClr val="accent6"/>
+            </a:solidFill>
+            <a:prstDash val="sysDot"/>
+            <a:tailEnd type="triangle"/>
+          </a:ln>
+        </p:spPr>
+        <p:style>
+          <a:lnRef idx="1">
+            <a:schemeClr val="accent1"/>
+          </a:lnRef>
+          <a:fillRef idx="0">
+            <a:schemeClr val="accent1"/>
+          </a:fillRef>
+          <a:effectRef idx="0">
+            <a:schemeClr val="accent1"/>
+          </a:effectRef>
+          <a:fontRef idx="minor">
+            <a:schemeClr val="tx1"/>
+          </a:fontRef>
+        </p:style>
+      </p:cxnSp>
+      <p:cxnSp>
+        <p:nvCxnSpPr>
+          <p:cNvPr id="108" name="直線矢印コネクタ 107"/>
+          <p:cNvCxnSpPr/>
+          <p:nvPr/>
+        </p:nvCxnSpPr>
+        <p:spPr>
+          <a:xfrm>
+            <a:off x="9730252" y="625003"/>
+            <a:ext cx="1037159" cy="5569"/>
+          </a:xfrm>
+          <a:prstGeom prst="straightConnector1">
+            <a:avLst/>
+          </a:prstGeom>
+          <a:ln w="57150">
+            <a:solidFill>
+              <a:schemeClr val="accent2"/>
+            </a:solidFill>
+            <a:prstDash val="sysDot"/>
+            <a:tailEnd type="triangle"/>
+          </a:ln>
+        </p:spPr>
+        <p:style>
+          <a:lnRef idx="1">
+            <a:schemeClr val="accent1"/>
+          </a:lnRef>
+          <a:fillRef idx="0">
+            <a:schemeClr val="accent1"/>
+          </a:fillRef>
+          <a:effectRef idx="0">
+            <a:schemeClr val="accent1"/>
+          </a:effectRef>
+          <a:fontRef idx="minor">
+            <a:schemeClr val="tx1"/>
+          </a:fontRef>
+        </p:style>
+      </p:cxnSp>
+      <p:sp>
+        <p:nvSpPr>
+          <p:cNvPr id="115" name="テキスト ボックス 114"/>
+          <p:cNvSpPr txBox="1"/>
+          <p:nvPr/>
+        </p:nvSpPr>
+        <p:spPr>
+          <a:xfrm>
+            <a:off x="10753938" y="84779"/>
+            <a:ext cx="1308876" cy="369332"/>
+          </a:xfrm>
+          <a:prstGeom prst="rect">
+            <a:avLst/>
+          </a:prstGeom>
+          <a:noFill/>
+        </p:spPr>
+        <p:txBody>
+          <a:bodyPr wrap="square" rtlCol="0">
+            <a:spAutoFit/>
+          </a:bodyPr>
+          <a:lstStyle/>
+          <a:p>
+            <a:r>
+              <a:rPr kumimoji="1" lang="en-US" altLang="ja-JP" dirty="0" smtClean="0"/>
+              <a:t>&lt;extend&gt;</a:t>
+            </a:r>
+            <a:endParaRPr kumimoji="1" lang="ja-JP" altLang="en-US" dirty="0"/>
+          </a:p>
+        </p:txBody>
+      </p:sp>
+      <p:sp>
+        <p:nvSpPr>
+          <p:cNvPr id="116" name="テキスト ボックス 115"/>
+          <p:cNvSpPr txBox="1"/>
+          <p:nvPr/>
+        </p:nvSpPr>
+        <p:spPr>
+          <a:xfrm>
+            <a:off x="10753937" y="447457"/>
+            <a:ext cx="1308876" cy="369332"/>
+          </a:xfrm>
+          <a:prstGeom prst="rect">
+            <a:avLst/>
+          </a:prstGeom>
+          <a:noFill/>
+        </p:spPr>
+        <p:txBody>
+          <a:bodyPr wrap="square" rtlCol="0">
+            <a:spAutoFit/>
+          </a:bodyPr>
+          <a:lstStyle/>
+          <a:p>
+            <a:r>
+              <a:rPr kumimoji="1" lang="en-US" altLang="ja-JP" dirty="0" smtClean="0"/>
+              <a:t>&lt;include&gt;</a:t>
+            </a:r>
+            <a:endParaRPr kumimoji="1" lang="ja-JP" altLang="en-US" dirty="0"/>
+          </a:p>
+        </p:txBody>
+      </p:sp>
     </p:spTree>
     <p:extLst>
       <p:ext uri="{BB962C8B-B14F-4D97-AF65-F5344CB8AC3E}">
